--- a/share/主日04-君尊的祭司-亚3-160821/查经-君尊的祭司-大祭司的异象-亚3.pptx
+++ b/share/主日04-君尊的祭司-亚3-160821/查经-君尊的祭司-大祭司的异象-亚3.pptx
@@ -1045,7 +1045,6 @@
               <a:rPr lang="zh-CN" altLang="en-US" dirty="0" smtClean="0"/>
               <a:t>）</a:t>
             </a:r>
-            <a:endParaRPr lang="zh-CN" altLang="en-US" dirty="0" smtClean="0"/>
           </a:p>
         </p:txBody>
       </p:sp>
@@ -1818,7 +1817,6 @@
               <a:rPr lang="zh-CN" altLang="en-US" dirty="0" smtClean="0"/>
               <a:t>）</a:t>
             </a:r>
-            <a:endParaRPr lang="zh-CN" altLang="en-US" dirty="0" smtClean="0"/>
           </a:p>
         </p:txBody>
       </p:sp>
@@ -2163,11 +2161,7 @@
           <a:p>
             <a:r>
               <a:rPr lang="zh-CN" altLang="en-US" dirty="0" smtClean="0"/>
-              <a:t>　　</a:t>
-            </a:r>
-            <a:r>
-              <a:rPr lang="zh-CN" altLang="en-US" dirty="0" smtClean="0"/>
-              <a:t>撒迦利亚书第三章所启示的异象显明神要在以色列中恢复祭司的职分，这是一项具体的行动，证明神要以色列人重建圣殿，复兴圣事，所以约书亚是站在代表性的地位上。神如何脱去他的污秽衣服，另外穿上华美的衣冠，使他担当祭司之职，代表神如何向他的百姓施恩，除掉他们的罪孽，使他们可以坦然无惧地事奉神。整个异象包涵了救恩的重要原理，是神主动救我们脱离罪恶污秽，使我们成为有君尊的祭司（彼前二</a:t>
+              <a:t>　　撒迦利亚书第三章所启示的异象显明神要在以色列中恢复祭司的职分，这是一项具体的行动，证明神要以色列人重建圣殿，复兴圣事，所以约书亚是站在代表性的地位上。神如何脱去他的污秽衣服，另外穿上华美的衣冠，使他担当祭司之职，代表神如何向他的百姓施恩，除掉他们的罪孽，使他们可以坦然无惧地事奉神。整个异象包涵了救恩的重要原理，是神主动救我们脱离罪恶污秽，使我们成为有君尊的祭司（彼前二</a:t>
             </a:r>
             <a:r>
               <a:rPr lang="en-US" altLang="zh-CN" dirty="0" smtClean="0"/>
@@ -2460,7 +2454,6 @@
               <a:rPr lang="zh-CN" altLang="en-US" dirty="0" smtClean="0"/>
               <a:t>）</a:t>
             </a:r>
-            <a:endParaRPr lang="zh-CN" altLang="en-US" dirty="0" smtClean="0"/>
           </a:p>
         </p:txBody>
       </p:sp>
@@ -2624,11 +2617,7 @@
           <a:p>
             <a:r>
               <a:rPr lang="zh-CN" altLang="en-US" dirty="0" smtClean="0"/>
-              <a:t>    </a:t>
-            </a:r>
-            <a:r>
-              <a:rPr lang="zh-CN" altLang="en-US" dirty="0" smtClean="0"/>
-              <a:t>请大家翻到撒加利亚书</a:t>
+              <a:t>    请大家翻到撒加利亚书</a:t>
             </a:r>
             <a:r>
               <a:rPr lang="en-US" altLang="zh-CN" dirty="0" smtClean="0"/>
@@ -3208,7 +3197,6 @@
               <a:rPr lang="zh-CN" altLang="en-US" dirty="0" smtClean="0"/>
               <a:t>）</a:t>
             </a:r>
-            <a:endParaRPr lang="zh-CN" altLang="en-US" dirty="0" smtClean="0"/>
           </a:p>
         </p:txBody>
       </p:sp>
@@ -26310,16 +26298,7 @@
                 </a:solidFill>
                 <a:ea typeface="宋体" charset="-122"/>
               </a:rPr>
-              <a:t>撒迦利亚</a:t>
-            </a:r>
-            <a:r>
-              <a:rPr lang="zh-CN" altLang="en-US" sz="2600" dirty="0" smtClean="0">
-                <a:solidFill>
-                  <a:schemeClr val="tx2"/>
-                </a:solidFill>
-                <a:ea typeface="宋体" charset="-122"/>
-              </a:rPr>
-              <a:t>书</a:t>
+              <a:t>撒迦利亚书</a:t>
             </a:r>
             <a:r>
               <a:rPr lang="en-US" altLang="zh-CN" sz="2600" dirty="0" smtClean="0">
@@ -27782,17 +27761,7 @@
                 <a:ea typeface="宋体" charset="-122"/>
                 <a:cs typeface="Arial" charset="0"/>
               </a:rPr>
-              <a:t>1</a:t>
-            </a:r>
-            <a:r>
-              <a:rPr lang="en-US" altLang="zh-CN" sz="2400" b="1" dirty="0" smtClean="0">
-                <a:solidFill>
-                  <a:srgbClr val="FFFFFF"/>
-                </a:solidFill>
-                <a:ea typeface="宋体" charset="-122"/>
-                <a:cs typeface="Arial" charset="0"/>
-              </a:rPr>
-              <a:t>.</a:t>
+              <a:t>1.</a:t>
             </a:r>
             <a:r>
               <a:rPr lang="zh-CN" altLang="en-US" sz="2400" b="1" dirty="0">
@@ -27802,28 +27771,26 @@
                 <a:ea typeface="宋体" charset="-122"/>
                 <a:cs typeface="Arial" charset="0"/>
               </a:rPr>
-              <a:t>对罪人的不同</a:t>
-            </a:r>
-            <a:r>
-              <a:rPr lang="zh-CN" altLang="en-US" sz="2400" b="1" dirty="0" smtClean="0">
+              <a:t>对罪人的不同态度（</a:t>
+            </a:r>
+            <a:r>
+              <a:rPr lang="en-US" altLang="zh-CN" sz="2400" b="1" dirty="0">
                 <a:solidFill>
                   <a:srgbClr val="FFFFFF"/>
                 </a:solidFill>
                 <a:ea typeface="宋体" charset="-122"/>
                 <a:cs typeface="Arial" charset="0"/>
               </a:rPr>
-              <a:t>态度</a:t>
-            </a:r>
-            <a:r>
-              <a:rPr lang="zh-CN" altLang="en-US" sz="2400" dirty="0"/>
-              <a:t>（</a:t>
-            </a:r>
-            <a:r>
-              <a:rPr lang="en-US" altLang="zh-CN" sz="2400" dirty="0"/>
               <a:t>v1-5</a:t>
             </a:r>
             <a:r>
-              <a:rPr lang="zh-CN" altLang="en-US" sz="2400" dirty="0"/>
+              <a:rPr lang="zh-CN" altLang="en-US" sz="2400" b="1" dirty="0">
+                <a:solidFill>
+                  <a:srgbClr val="FFFFFF"/>
+                </a:solidFill>
+                <a:ea typeface="宋体" charset="-122"/>
+                <a:cs typeface="Arial" charset="0"/>
+              </a:rPr>
               <a:t>）</a:t>
             </a:r>
             <a:endParaRPr lang="en-US" altLang="zh-CN" sz="2400" b="1" dirty="0">
@@ -28007,17 +27974,7 @@
                 <a:ea typeface="宋体" charset="-122"/>
                 <a:cs typeface="Arial" charset="0"/>
               </a:rPr>
-              <a:t>2</a:t>
-            </a:r>
-            <a:r>
-              <a:rPr lang="en-US" altLang="zh-CN" sz="2400" b="1" dirty="0" smtClean="0">
-                <a:solidFill>
-                  <a:srgbClr val="FFFFFF"/>
-                </a:solidFill>
-                <a:ea typeface="宋体" charset="-122"/>
-                <a:cs typeface="Arial" charset="0"/>
-              </a:rPr>
-              <a:t>.</a:t>
+              <a:t>2.</a:t>
             </a:r>
             <a:r>
               <a:rPr lang="zh-CN" altLang="en-US" sz="2400" b="1" dirty="0">
@@ -28027,28 +27984,26 @@
                 <a:ea typeface="宋体" charset="-122"/>
                 <a:cs typeface="Arial" charset="0"/>
               </a:rPr>
-              <a:t>劝勉和</a:t>
-            </a:r>
-            <a:r>
-              <a:rPr lang="zh-CN" altLang="en-US" sz="2400" b="1" dirty="0" smtClean="0">
+              <a:t>劝勉和应许（</a:t>
+            </a:r>
+            <a:r>
+              <a:rPr lang="en-US" altLang="zh-CN" sz="2400" b="1" dirty="0">
                 <a:solidFill>
                   <a:srgbClr val="FFFFFF"/>
                 </a:solidFill>
                 <a:ea typeface="宋体" charset="-122"/>
                 <a:cs typeface="Arial" charset="0"/>
               </a:rPr>
-              <a:t>应许</a:t>
-            </a:r>
-            <a:r>
-              <a:rPr lang="zh-CN" altLang="en-US" sz="2400" dirty="0"/>
-              <a:t>（</a:t>
-            </a:r>
-            <a:r>
-              <a:rPr lang="en-US" altLang="zh-CN" sz="2400" dirty="0"/>
               <a:t>v6-10</a:t>
             </a:r>
             <a:r>
-              <a:rPr lang="zh-CN" altLang="en-US" sz="2400" dirty="0" smtClean="0"/>
+              <a:rPr lang="zh-CN" altLang="en-US" sz="2400" b="1" dirty="0">
+                <a:solidFill>
+                  <a:srgbClr val="FFFFFF"/>
+                </a:solidFill>
+                <a:ea typeface="宋体" charset="-122"/>
+                <a:cs typeface="Arial" charset="0"/>
+              </a:rPr>
               <a:t>）</a:t>
             </a:r>
             <a:endParaRPr lang="en-US" altLang="zh-CN" sz="2400" b="1" dirty="0">
@@ -28232,17 +28187,7 @@
                 <a:ea typeface="宋体" charset="-122"/>
                 <a:cs typeface="Arial" charset="0"/>
               </a:rPr>
-              <a:t>3</a:t>
-            </a:r>
-            <a:r>
-              <a:rPr lang="en-US" altLang="zh-CN" sz="2400" b="1" dirty="0" smtClean="0">
-                <a:solidFill>
-                  <a:srgbClr val="FFFFFF"/>
-                </a:solidFill>
-                <a:ea typeface="宋体" charset="-122"/>
-                <a:cs typeface="Arial" charset="0"/>
-              </a:rPr>
-              <a:t>.</a:t>
+              <a:t>3.</a:t>
             </a:r>
             <a:r>
               <a:rPr lang="zh-CN" altLang="en-US" sz="2400" b="1" dirty="0">
@@ -28960,13 +28905,7 @@
               <a:rPr lang="en-US" altLang="zh-CN" sz="4000" dirty="0" smtClean="0">
                 <a:ea typeface="宋体" charset="-122"/>
               </a:rPr>
-              <a:t>2</a:t>
-            </a:r>
-            <a:r>
-              <a:rPr lang="en-US" altLang="zh-CN" sz="4000" dirty="0" smtClean="0">
-                <a:ea typeface="宋体" charset="-122"/>
-              </a:rPr>
-              <a:t>.</a:t>
+              <a:t>2.</a:t>
             </a:r>
             <a:r>
               <a:rPr lang="zh-CN" altLang="en-US" sz="4000" dirty="0"/>
@@ -29008,11 +28947,7 @@
           <a:p>
             <a:r>
               <a:rPr lang="en-US" altLang="zh-CN" dirty="0" smtClean="0"/>
-              <a:t>2.1</a:t>
-            </a:r>
-            <a:r>
-              <a:rPr lang="en-US" altLang="zh-CN" dirty="0" smtClean="0"/>
-              <a:t>.</a:t>
+              <a:t>2.1.</a:t>
             </a:r>
             <a:r>
               <a:rPr lang="zh-CN" altLang="en-US" dirty="0"/>
@@ -29020,11 +28955,7 @@
             </a:r>
             <a:r>
               <a:rPr lang="zh-CN" altLang="en-US" dirty="0" smtClean="0"/>
-              <a:t>行道</a:t>
-            </a:r>
-            <a:r>
-              <a:rPr lang="zh-CN" altLang="en-US" dirty="0" smtClean="0"/>
-              <a:t>（</a:t>
+              <a:t>行道（</a:t>
             </a:r>
             <a:r>
               <a:rPr lang="en-US" altLang="zh-CN" dirty="0" smtClean="0"/>
@@ -29232,13 +29163,7 @@
               <a:rPr lang="en-US" altLang="zh-CN" sz="4000" dirty="0" smtClean="0">
                 <a:ea typeface="宋体" charset="-122"/>
               </a:rPr>
-              <a:t>2</a:t>
-            </a:r>
-            <a:r>
-              <a:rPr lang="en-US" altLang="zh-CN" sz="4000" dirty="0" smtClean="0">
-                <a:ea typeface="宋体" charset="-122"/>
-              </a:rPr>
-              <a:t>.</a:t>
+              <a:t>2.</a:t>
             </a:r>
             <a:r>
               <a:rPr lang="zh-CN" altLang="en-US" sz="4000" dirty="0"/>
@@ -29304,11 +29229,7 @@
             </a:r>
             <a:r>
               <a:rPr lang="zh-CN" altLang="en-US" dirty="0" smtClean="0"/>
-              <a:t>）</a:t>
-            </a:r>
-            <a:r>
-              <a:rPr lang="zh-CN" altLang="en-US" dirty="0" smtClean="0"/>
-              <a:t>预兆</a:t>
+              <a:t>）预兆</a:t>
             </a:r>
             <a:endParaRPr lang="en-US" altLang="zh-CN" sz="2000" dirty="0"/>
           </a:p>
@@ -30823,17 +30744,7 @@
                 <a:ea typeface="宋体" charset="-122"/>
                 <a:cs typeface="Arial" charset="0"/>
               </a:rPr>
-              <a:t>1</a:t>
-            </a:r>
-            <a:r>
-              <a:rPr lang="en-US" altLang="zh-CN" sz="2400" b="1" dirty="0" smtClean="0">
-                <a:solidFill>
-                  <a:srgbClr val="FFFFFF"/>
-                </a:solidFill>
-                <a:ea typeface="宋体" charset="-122"/>
-                <a:cs typeface="Arial" charset="0"/>
-              </a:rPr>
-              <a:t>.</a:t>
+              <a:t>1.</a:t>
             </a:r>
             <a:r>
               <a:rPr lang="zh-CN" altLang="en-US" sz="2400" b="1" dirty="0">
@@ -30843,28 +30754,26 @@
                 <a:ea typeface="宋体" charset="-122"/>
                 <a:cs typeface="Arial" charset="0"/>
               </a:rPr>
-              <a:t>对罪人的不同</a:t>
-            </a:r>
-            <a:r>
-              <a:rPr lang="zh-CN" altLang="en-US" sz="2400" b="1" dirty="0" smtClean="0">
+              <a:t>对罪人的不同态度（</a:t>
+            </a:r>
+            <a:r>
+              <a:rPr lang="en-US" altLang="zh-CN" sz="2400" b="1" dirty="0">
                 <a:solidFill>
                   <a:srgbClr val="FFFFFF"/>
                 </a:solidFill>
                 <a:ea typeface="宋体" charset="-122"/>
                 <a:cs typeface="Arial" charset="0"/>
               </a:rPr>
-              <a:t>态度</a:t>
-            </a:r>
-            <a:r>
-              <a:rPr lang="zh-CN" altLang="en-US" sz="2400" dirty="0"/>
-              <a:t>（</a:t>
-            </a:r>
-            <a:r>
-              <a:rPr lang="en-US" altLang="zh-CN" sz="2400" dirty="0"/>
               <a:t>v1-5</a:t>
             </a:r>
             <a:r>
-              <a:rPr lang="zh-CN" altLang="en-US" sz="2400" dirty="0"/>
+              <a:rPr lang="zh-CN" altLang="en-US" sz="2400" b="1" dirty="0">
+                <a:solidFill>
+                  <a:srgbClr val="FFFFFF"/>
+                </a:solidFill>
+                <a:ea typeface="宋体" charset="-122"/>
+                <a:cs typeface="Arial" charset="0"/>
+              </a:rPr>
               <a:t>）</a:t>
             </a:r>
             <a:endParaRPr lang="en-US" altLang="zh-CN" sz="2400" b="1" dirty="0">
@@ -31048,17 +30957,7 @@
                 <a:ea typeface="宋体" charset="-122"/>
                 <a:cs typeface="Arial" charset="0"/>
               </a:rPr>
-              <a:t>2</a:t>
-            </a:r>
-            <a:r>
-              <a:rPr lang="en-US" altLang="zh-CN" sz="2400" b="1" dirty="0" smtClean="0">
-                <a:solidFill>
-                  <a:srgbClr val="FFFFFF"/>
-                </a:solidFill>
-                <a:ea typeface="宋体" charset="-122"/>
-                <a:cs typeface="Arial" charset="0"/>
-              </a:rPr>
-              <a:t>.</a:t>
+              <a:t>2.</a:t>
             </a:r>
             <a:r>
               <a:rPr lang="zh-CN" altLang="en-US" sz="2400" b="1" dirty="0">
@@ -31068,28 +30967,26 @@
                 <a:ea typeface="宋体" charset="-122"/>
                 <a:cs typeface="Arial" charset="0"/>
               </a:rPr>
-              <a:t>劝勉和</a:t>
-            </a:r>
-            <a:r>
-              <a:rPr lang="zh-CN" altLang="en-US" sz="2400" b="1" dirty="0" smtClean="0">
+              <a:t>劝勉和应许（</a:t>
+            </a:r>
+            <a:r>
+              <a:rPr lang="en-US" altLang="zh-CN" sz="2400" b="1" dirty="0">
                 <a:solidFill>
                   <a:srgbClr val="FFFFFF"/>
                 </a:solidFill>
                 <a:ea typeface="宋体" charset="-122"/>
                 <a:cs typeface="Arial" charset="0"/>
               </a:rPr>
-              <a:t>应许</a:t>
-            </a:r>
-            <a:r>
-              <a:rPr lang="zh-CN" altLang="en-US" sz="2400" dirty="0"/>
-              <a:t>（</a:t>
-            </a:r>
-            <a:r>
-              <a:rPr lang="en-US" altLang="zh-CN" sz="2400" dirty="0"/>
               <a:t>v6-10</a:t>
             </a:r>
             <a:r>
-              <a:rPr lang="zh-CN" altLang="en-US" sz="2400" dirty="0" smtClean="0"/>
+              <a:rPr lang="zh-CN" altLang="en-US" sz="2400" b="1" dirty="0">
+                <a:solidFill>
+                  <a:srgbClr val="FFFFFF"/>
+                </a:solidFill>
+                <a:ea typeface="宋体" charset="-122"/>
+                <a:cs typeface="Arial" charset="0"/>
+              </a:rPr>
               <a:t>）</a:t>
             </a:r>
             <a:endParaRPr lang="en-US" altLang="zh-CN" sz="2400" b="1" dirty="0">
@@ -31273,17 +31170,7 @@
                 <a:ea typeface="宋体" charset="-122"/>
                 <a:cs typeface="Arial" charset="0"/>
               </a:rPr>
-              <a:t>3</a:t>
-            </a:r>
-            <a:r>
-              <a:rPr lang="en-US" altLang="zh-CN" sz="2400" b="1" dirty="0" smtClean="0">
-                <a:solidFill>
-                  <a:srgbClr val="FFFFFF"/>
-                </a:solidFill>
-                <a:ea typeface="宋体" charset="-122"/>
-                <a:cs typeface="Arial" charset="0"/>
-              </a:rPr>
-              <a:t>.</a:t>
+              <a:t>3.</a:t>
             </a:r>
             <a:r>
               <a:rPr lang="zh-CN" altLang="en-US" sz="2400" b="1" dirty="0">
@@ -32001,13 +31888,7 @@
               <a:rPr lang="en-US" altLang="zh-CN" sz="3600" dirty="0" smtClean="0">
                 <a:ea typeface="宋体" charset="-122"/>
               </a:rPr>
-              <a:t>3</a:t>
-            </a:r>
-            <a:r>
-              <a:rPr lang="en-US" altLang="zh-CN" sz="3600" dirty="0" smtClean="0">
-                <a:ea typeface="宋体" charset="-122"/>
-              </a:rPr>
-              <a:t>.</a:t>
+              <a:t>3.</a:t>
             </a:r>
             <a:r>
               <a:rPr lang="zh-CN" altLang="en-US" sz="3600" dirty="0"/>
@@ -32045,11 +31926,7 @@
           <a:p>
             <a:r>
               <a:rPr lang="en-US" altLang="zh-CN" dirty="0" smtClean="0"/>
-              <a:t>3.1</a:t>
-            </a:r>
-            <a:r>
-              <a:rPr lang="en-US" altLang="zh-CN" dirty="0" smtClean="0"/>
-              <a:t>.</a:t>
+              <a:t>3.1.</a:t>
             </a:r>
             <a:r>
               <a:rPr lang="zh-CN" altLang="en-US" dirty="0"/>
@@ -33808,17 +33685,7 @@
                 <a:ea typeface="宋体" charset="-122"/>
                 <a:cs typeface="Arial" charset="0"/>
               </a:rPr>
-              <a:t>1</a:t>
-            </a:r>
-            <a:r>
-              <a:rPr lang="en-US" altLang="zh-CN" sz="2400" b="1" dirty="0" smtClean="0">
-                <a:solidFill>
-                  <a:srgbClr val="FFFFFF"/>
-                </a:solidFill>
-                <a:ea typeface="宋体" charset="-122"/>
-                <a:cs typeface="Arial" charset="0"/>
-              </a:rPr>
-              <a:t>.</a:t>
+              <a:t>1.</a:t>
             </a:r>
             <a:r>
               <a:rPr lang="zh-CN" altLang="en-US" sz="2400" b="1" dirty="0">
@@ -33828,17 +33695,7 @@
                 <a:ea typeface="宋体" charset="-122"/>
                 <a:cs typeface="Arial" charset="0"/>
               </a:rPr>
-              <a:t>对罪人的不同</a:t>
-            </a:r>
-            <a:r>
-              <a:rPr lang="zh-CN" altLang="en-US" sz="2400" b="1" dirty="0">
-                <a:solidFill>
-                  <a:srgbClr val="FFFFFF"/>
-                </a:solidFill>
-                <a:ea typeface="宋体" charset="-122"/>
-                <a:cs typeface="Arial" charset="0"/>
-              </a:rPr>
-              <a:t>态度（</a:t>
+              <a:t>对罪人的不同态度（</a:t>
             </a:r>
             <a:r>
               <a:rPr lang="en-US" altLang="zh-CN" sz="2400" b="1" dirty="0">
@@ -34041,17 +33898,7 @@
                 <a:ea typeface="宋体" charset="-122"/>
                 <a:cs typeface="Arial" charset="0"/>
               </a:rPr>
-              <a:t>2</a:t>
-            </a:r>
-            <a:r>
-              <a:rPr lang="en-US" altLang="zh-CN" sz="2400" b="1" dirty="0" smtClean="0">
-                <a:solidFill>
-                  <a:srgbClr val="FFFFFF"/>
-                </a:solidFill>
-                <a:ea typeface="宋体" charset="-122"/>
-                <a:cs typeface="Arial" charset="0"/>
-              </a:rPr>
-              <a:t>.</a:t>
+              <a:t>2.</a:t>
             </a:r>
             <a:r>
               <a:rPr lang="zh-CN" altLang="en-US" sz="2400" b="1" dirty="0">
@@ -34061,7 +33908,7 @@
                 <a:ea typeface="宋体" charset="-122"/>
                 <a:cs typeface="Arial" charset="0"/>
               </a:rPr>
-              <a:t>劝勉和</a:t>
+              <a:t>劝勉</a:t>
             </a:r>
             <a:r>
               <a:rPr lang="zh-CN" altLang="en-US" sz="2400" b="1" dirty="0" smtClean="0">
@@ -34071,18 +33918,36 @@
                 <a:ea typeface="宋体" charset="-122"/>
                 <a:cs typeface="Arial" charset="0"/>
               </a:rPr>
-              <a:t>应许</a:t>
-            </a:r>
-            <a:r>
-              <a:rPr lang="zh-CN" altLang="en-US" sz="2400" dirty="0"/>
+              <a:t>和应许</a:t>
+            </a:r>
+            <a:r>
+              <a:rPr lang="zh-CN" altLang="en-US" sz="2400" b="1" dirty="0">
+                <a:solidFill>
+                  <a:srgbClr val="FFFFFF"/>
+                </a:solidFill>
+                <a:ea typeface="宋体" charset="-122"/>
+                <a:cs typeface="Arial" charset="0"/>
+              </a:rPr>
               <a:t>（</a:t>
             </a:r>
             <a:r>
-              <a:rPr lang="en-US" altLang="zh-CN" sz="2400" dirty="0"/>
+              <a:rPr lang="en-US" altLang="zh-CN" sz="2400" b="1" dirty="0">
+                <a:solidFill>
+                  <a:srgbClr val="FFFFFF"/>
+                </a:solidFill>
+                <a:ea typeface="宋体" charset="-122"/>
+                <a:cs typeface="Arial" charset="0"/>
+              </a:rPr>
               <a:t>v6-10</a:t>
             </a:r>
             <a:r>
-              <a:rPr lang="zh-CN" altLang="en-US" sz="2400" dirty="0" smtClean="0"/>
+              <a:rPr lang="zh-CN" altLang="en-US" sz="2400" b="1" dirty="0">
+                <a:solidFill>
+                  <a:srgbClr val="FFFFFF"/>
+                </a:solidFill>
+                <a:ea typeface="宋体" charset="-122"/>
+                <a:cs typeface="Arial" charset="0"/>
+              </a:rPr>
               <a:t>）</a:t>
             </a:r>
             <a:endParaRPr lang="en-US" altLang="zh-CN" sz="2400" b="1" dirty="0">
@@ -34266,17 +34131,7 @@
                 <a:ea typeface="宋体" charset="-122"/>
                 <a:cs typeface="Arial" charset="0"/>
               </a:rPr>
-              <a:t>3</a:t>
-            </a:r>
-            <a:r>
-              <a:rPr lang="en-US" altLang="zh-CN" sz="2400" b="1" dirty="0" smtClean="0">
-                <a:solidFill>
-                  <a:srgbClr val="FFFFFF"/>
-                </a:solidFill>
-                <a:ea typeface="宋体" charset="-122"/>
-                <a:cs typeface="Arial" charset="0"/>
-              </a:rPr>
-              <a:t>.</a:t>
+              <a:t>3.</a:t>
             </a:r>
             <a:r>
               <a:rPr lang="zh-CN" altLang="en-US" sz="2400" b="1" dirty="0">
@@ -34501,6 +34356,9 @@
                     <p:cTn id="3" fill="hold">
                       <p:stCondLst>
                         <p:cond delay="indefinite"/>
+                        <p:cond evt="onBegin" delay="0">
+                          <p:tn val="2"/>
+                        </p:cond>
                       </p:stCondLst>
                       <p:childTnLst>
                         <p:par>
@@ -34510,7 +34368,7 @@
                             </p:stCondLst>
                             <p:childTnLst>
                               <p:par>
-                                <p:cTn id="5" presetID="42" presetClass="entr" presetSubtype="0" fill="hold" nodeType="clickEffect">
+                                <p:cTn id="5" presetID="42" presetClass="entr" presetSubtype="0" fill="hold" nodeType="withEffect">
                                   <p:stCondLst>
                                     <p:cond delay="0"/>
                                   </p:stCondLst>
@@ -35244,24 +35102,24 @@
           <a:p>
             <a:pPr lvl="1"/>
             <a:r>
+              <a:rPr lang="zh-CN" altLang="en-US" dirty="0"/>
+              <a:t>祭司制度</a:t>
+            </a:r>
+            <a:r>
               <a:rPr lang="zh-CN" altLang="en-US" dirty="0" smtClean="0"/>
-              <a:t>祭司制度中断：</a:t>
-            </a:r>
-            <a:endParaRPr lang="en-US" altLang="zh-CN" sz="2000" dirty="0" smtClean="0"/>
+              <a:t>中断</a:t>
+            </a:r>
+            <a:endParaRPr lang="en-US" altLang="zh-CN" sz="2000" dirty="0"/>
           </a:p>
           <a:p>
             <a:pPr lvl="2"/>
             <a:r>
-              <a:rPr lang="en-US" altLang="zh-CN" dirty="0" smtClean="0"/>
+              <a:rPr lang="en-US" altLang="zh-CN" dirty="0"/>
               <a:t>606BC</a:t>
             </a:r>
             <a:r>
-              <a:rPr lang="zh-CN" altLang="en-US" dirty="0" smtClean="0"/>
-              <a:t>，耶路撒冷被</a:t>
-            </a:r>
-            <a:r>
-              <a:rPr lang="zh-CN" altLang="en-US" dirty="0" smtClean="0"/>
-              <a:t>攻破，祭司中断；</a:t>
+              <a:rPr lang="zh-CN" altLang="en-US" dirty="0"/>
+              <a:t>，耶路撒冷被攻破；</a:t>
             </a:r>
             <a:endParaRPr lang="en-US" altLang="zh-CN" dirty="0" smtClean="0"/>
           </a:p>
@@ -35327,6 +35185,26 @@
             <a:endParaRPr lang="en-US" altLang="zh-CN" sz="2000" dirty="0" smtClean="0">
               <a:ea typeface="宋体" charset="-122"/>
             </a:endParaRPr>
+          </a:p>
+          <a:p>
+            <a:pPr lvl="1"/>
+            <a:r>
+              <a:rPr lang="zh-CN" altLang="en-US" dirty="0"/>
+              <a:t>三</a:t>
+            </a:r>
+            <a:r>
+              <a:rPr lang="zh-CN" altLang="en-US" dirty="0" smtClean="0"/>
+              <a:t>次归回</a:t>
+            </a:r>
+            <a:endParaRPr lang="en-US" altLang="zh-CN" sz="2000" dirty="0"/>
+          </a:p>
+          <a:p>
+            <a:pPr lvl="2"/>
+            <a:r>
+              <a:rPr lang="zh-CN" altLang="en-US" dirty="0" smtClean="0"/>
+              <a:t>所罗巴伯，以斯拉，尼西米</a:t>
+            </a:r>
+            <a:endParaRPr lang="en-US" altLang="zh-CN" dirty="0"/>
           </a:p>
           <a:p>
             <a:pPr lvl="1"/>
@@ -35450,11 +35328,7 @@
             </a:r>
             <a:r>
               <a:rPr lang="zh-CN" altLang="en-US" dirty="0" smtClean="0"/>
-              <a:t>象</a:t>
-            </a:r>
-            <a:r>
-              <a:rPr lang="zh-CN" altLang="en-US" dirty="0" smtClean="0"/>
-              <a:t>：</a:t>
+              <a:t>象：</a:t>
             </a:r>
             <a:endParaRPr lang="en-US" altLang="zh-CN" sz="2000" dirty="0" smtClean="0"/>
           </a:p>
@@ -35486,11 +35360,7 @@
             </a:r>
             <a:r>
               <a:rPr lang="zh-CN" altLang="en-US" dirty="0" smtClean="0"/>
-              <a:t>异象：</a:t>
-            </a:r>
-            <a:r>
-              <a:rPr lang="zh-CN" altLang="en-US" dirty="0" smtClean="0"/>
-              <a:t>耶路撒冷城</a:t>
+              <a:t>异象：耶路撒冷城</a:t>
             </a:r>
             <a:r>
               <a:rPr lang="zh-CN" altLang="en-US" dirty="0"/>
@@ -36953,17 +36823,7 @@
                 <a:ea typeface="宋体" charset="-122"/>
                 <a:cs typeface="Arial" charset="0"/>
               </a:rPr>
-              <a:t>1</a:t>
-            </a:r>
-            <a:r>
-              <a:rPr lang="en-US" altLang="zh-CN" sz="2400" b="1" dirty="0" smtClean="0">
-                <a:solidFill>
-                  <a:srgbClr val="FFFFFF"/>
-                </a:solidFill>
-                <a:ea typeface="宋体" charset="-122"/>
-                <a:cs typeface="Arial" charset="0"/>
-              </a:rPr>
-              <a:t>.</a:t>
+              <a:t>1.</a:t>
             </a:r>
             <a:r>
               <a:rPr lang="zh-CN" altLang="en-US" sz="2400" b="1" dirty="0">
@@ -36973,28 +36833,26 @@
                 <a:ea typeface="宋体" charset="-122"/>
                 <a:cs typeface="Arial" charset="0"/>
               </a:rPr>
-              <a:t>对罪人的不同</a:t>
-            </a:r>
-            <a:r>
-              <a:rPr lang="zh-CN" altLang="en-US" sz="2400" b="1" dirty="0" smtClean="0">
+              <a:t>对罪人的不同态度（</a:t>
+            </a:r>
+            <a:r>
+              <a:rPr lang="en-US" altLang="zh-CN" sz="2400" b="1" dirty="0">
                 <a:solidFill>
                   <a:srgbClr val="FFFFFF"/>
                 </a:solidFill>
                 <a:ea typeface="宋体" charset="-122"/>
                 <a:cs typeface="Arial" charset="0"/>
               </a:rPr>
-              <a:t>态度</a:t>
-            </a:r>
-            <a:r>
-              <a:rPr lang="zh-CN" altLang="en-US" sz="2400" dirty="0"/>
-              <a:t>（</a:t>
-            </a:r>
-            <a:r>
-              <a:rPr lang="en-US" altLang="zh-CN" sz="2400" dirty="0"/>
               <a:t>v1-5</a:t>
             </a:r>
             <a:r>
-              <a:rPr lang="zh-CN" altLang="en-US" sz="2400" dirty="0"/>
+              <a:rPr lang="zh-CN" altLang="en-US" sz="2400" b="1" dirty="0">
+                <a:solidFill>
+                  <a:srgbClr val="FFFFFF"/>
+                </a:solidFill>
+                <a:ea typeface="宋体" charset="-122"/>
+                <a:cs typeface="Arial" charset="0"/>
+              </a:rPr>
               <a:t>）</a:t>
             </a:r>
             <a:endParaRPr lang="en-US" altLang="zh-CN" sz="2400" b="1" dirty="0">
@@ -37178,17 +37036,7 @@
                 <a:ea typeface="宋体" charset="-122"/>
                 <a:cs typeface="Arial" charset="0"/>
               </a:rPr>
-              <a:t>2</a:t>
-            </a:r>
-            <a:r>
-              <a:rPr lang="en-US" altLang="zh-CN" sz="2400" b="1" dirty="0" smtClean="0">
-                <a:solidFill>
-                  <a:srgbClr val="FFFFFF"/>
-                </a:solidFill>
-                <a:ea typeface="宋体" charset="-122"/>
-                <a:cs typeface="Arial" charset="0"/>
-              </a:rPr>
-              <a:t>.</a:t>
+              <a:t>2.</a:t>
             </a:r>
             <a:r>
               <a:rPr lang="zh-CN" altLang="en-US" sz="2400" b="1" dirty="0">
@@ -37198,28 +37046,26 @@
                 <a:ea typeface="宋体" charset="-122"/>
                 <a:cs typeface="Arial" charset="0"/>
               </a:rPr>
-              <a:t>劝勉和</a:t>
-            </a:r>
-            <a:r>
-              <a:rPr lang="zh-CN" altLang="en-US" sz="2400" b="1" dirty="0" smtClean="0">
+              <a:t>劝勉和应许（</a:t>
+            </a:r>
+            <a:r>
+              <a:rPr lang="en-US" altLang="zh-CN" sz="2400" b="1" dirty="0">
                 <a:solidFill>
                   <a:srgbClr val="FFFFFF"/>
                 </a:solidFill>
                 <a:ea typeface="宋体" charset="-122"/>
                 <a:cs typeface="Arial" charset="0"/>
               </a:rPr>
-              <a:t>应许</a:t>
-            </a:r>
-            <a:r>
-              <a:rPr lang="zh-CN" altLang="en-US" sz="2400" dirty="0"/>
-              <a:t>（</a:t>
-            </a:r>
-            <a:r>
-              <a:rPr lang="en-US" altLang="zh-CN" sz="2400" dirty="0"/>
               <a:t>v6-10</a:t>
             </a:r>
             <a:r>
-              <a:rPr lang="zh-CN" altLang="en-US" sz="2400" dirty="0" smtClean="0"/>
+              <a:rPr lang="zh-CN" altLang="en-US" sz="2400" b="1" dirty="0">
+                <a:solidFill>
+                  <a:srgbClr val="FFFFFF"/>
+                </a:solidFill>
+                <a:ea typeface="宋体" charset="-122"/>
+                <a:cs typeface="Arial" charset="0"/>
+              </a:rPr>
               <a:t>）</a:t>
             </a:r>
             <a:endParaRPr lang="en-US" altLang="zh-CN" sz="2400" b="1" dirty="0">
@@ -37403,17 +37249,7 @@
                 <a:ea typeface="宋体" charset="-122"/>
                 <a:cs typeface="Arial" charset="0"/>
               </a:rPr>
-              <a:t>3</a:t>
-            </a:r>
-            <a:r>
-              <a:rPr lang="en-US" altLang="zh-CN" sz="2400" b="1" dirty="0" smtClean="0">
-                <a:solidFill>
-                  <a:srgbClr val="FFFFFF"/>
-                </a:solidFill>
-                <a:ea typeface="宋体" charset="-122"/>
-                <a:cs typeface="Arial" charset="0"/>
-              </a:rPr>
-              <a:t>.</a:t>
+              <a:t>3.</a:t>
             </a:r>
             <a:r>
               <a:rPr lang="zh-CN" altLang="en-US" sz="2400" b="1" dirty="0">
@@ -38131,13 +37967,7 @@
               <a:rPr lang="en-US" altLang="zh-CN" sz="4000" dirty="0" smtClean="0">
                 <a:ea typeface="宋体" charset="-122"/>
               </a:rPr>
-              <a:t>1</a:t>
-            </a:r>
-            <a:r>
-              <a:rPr lang="en-US" altLang="zh-CN" sz="4000" dirty="0" smtClean="0">
-                <a:ea typeface="宋体" charset="-122"/>
-              </a:rPr>
-              <a:t>.</a:t>
+              <a:t>1.</a:t>
             </a:r>
             <a:r>
               <a:rPr lang="zh-CN" altLang="en-US" sz="4000" dirty="0"/>
@@ -38203,11 +38033,7 @@
             <a:pPr lvl="1"/>
             <a:r>
               <a:rPr lang="zh-CN" altLang="en-US" dirty="0" smtClean="0"/>
-              <a:t>三</a:t>
-            </a:r>
-            <a:r>
-              <a:rPr lang="zh-CN" altLang="en-US" dirty="0" smtClean="0"/>
-              <a:t>个角色</a:t>
+              <a:t>三个角色</a:t>
             </a:r>
             <a:endParaRPr lang="en-US" altLang="zh-CN" sz="2000" dirty="0" smtClean="0"/>
           </a:p>
@@ -38397,13 +38223,7 @@
               <a:rPr lang="en-US" altLang="zh-CN" sz="4000" dirty="0" smtClean="0">
                 <a:ea typeface="宋体" charset="-122"/>
               </a:rPr>
-              <a:t>1</a:t>
-            </a:r>
-            <a:r>
-              <a:rPr lang="en-US" altLang="zh-CN" sz="4000" dirty="0" smtClean="0">
-                <a:ea typeface="宋体" charset="-122"/>
-              </a:rPr>
-              <a:t>.</a:t>
+              <a:t>1.</a:t>
             </a:r>
             <a:r>
               <a:rPr lang="zh-CN" altLang="en-US" sz="4000" dirty="0"/>
